--- a/Sesión 1 - Máquina del tiempo/A1. Introducción.pptx
+++ b/Sesión 1 - Máquina del tiempo/A1. Introducción.pptx
@@ -731,7 +731,7 @@
           <a:p>
             <a:fld id="{1746D715-F302-4AEE-84BA-8B184C0E583B}" type="datetimeFigureOut">
               <a:rPr lang="es-CO" smtClean="0"/>
-              <a:t>24/07/20</a:t>
+              <a:t>25/01/21</a:t>
             </a:fld>
             <a:endParaRPr lang="es-CO"/>
           </a:p>
@@ -773,7 +773,7 @@
           <a:p>
             <a:fld id="{19274467-91A6-4BBE-9E77-4CCEB30A9719}" type="slidenum">
               <a:rPr lang="es-CO" smtClean="0"/>
-              <a:t>‹#›</a:t>
+              <a:t>‹Nº›</a:t>
             </a:fld>
             <a:endParaRPr lang="es-CO"/>
           </a:p>
@@ -939,7 +939,7 @@
           <a:p>
             <a:fld id="{1746D715-F302-4AEE-84BA-8B184C0E583B}" type="datetimeFigureOut">
               <a:rPr lang="es-CO" smtClean="0"/>
-              <a:t>24/07/20</a:t>
+              <a:t>25/01/21</a:t>
             </a:fld>
             <a:endParaRPr lang="es-CO"/>
           </a:p>
@@ -981,7 +981,7 @@
           <a:p>
             <a:fld id="{19274467-91A6-4BBE-9E77-4CCEB30A9719}" type="slidenum">
               <a:rPr lang="es-CO" smtClean="0"/>
-              <a:t>‹#›</a:t>
+              <a:t>‹Nº›</a:t>
             </a:fld>
             <a:endParaRPr lang="es-CO"/>
           </a:p>
@@ -1196,7 +1196,7 @@
           <a:p>
             <a:fld id="{1746D715-F302-4AEE-84BA-8B184C0E583B}" type="datetimeFigureOut">
               <a:rPr lang="es-CO" smtClean="0"/>
-              <a:t>24/07/20</a:t>
+              <a:t>25/01/21</a:t>
             </a:fld>
             <a:endParaRPr lang="es-CO"/>
           </a:p>
@@ -1238,7 +1238,7 @@
           <a:p>
             <a:fld id="{19274467-91A6-4BBE-9E77-4CCEB30A9719}" type="slidenum">
               <a:rPr lang="es-CO" smtClean="0"/>
-              <a:t>‹#›</a:t>
+              <a:t>‹Nº›</a:t>
             </a:fld>
             <a:endParaRPr lang="es-CO"/>
           </a:p>
@@ -1371,7 +1371,7 @@
           <a:p>
             <a:fld id="{1746D715-F302-4AEE-84BA-8B184C0E583B}" type="datetimeFigureOut">
               <a:rPr lang="es-CO" smtClean="0"/>
-              <a:t>24/07/20</a:t>
+              <a:t>25/01/21</a:t>
             </a:fld>
             <a:endParaRPr lang="es-CO"/>
           </a:p>
@@ -1413,7 +1413,7 @@
           <a:p>
             <a:fld id="{19274467-91A6-4BBE-9E77-4CCEB30A9719}" type="slidenum">
               <a:rPr lang="es-CO" smtClean="0"/>
-              <a:t>‹#›</a:t>
+              <a:t>‹Nº›</a:t>
             </a:fld>
             <a:endParaRPr lang="es-CO"/>
           </a:p>
@@ -1715,7 +1715,7 @@
           <a:p>
             <a:fld id="{1746D715-F302-4AEE-84BA-8B184C0E583B}" type="datetimeFigureOut">
               <a:rPr lang="es-CO" smtClean="0"/>
-              <a:t>24/07/20</a:t>
+              <a:t>25/01/21</a:t>
             </a:fld>
             <a:endParaRPr lang="es-CO"/>
           </a:p>
@@ -1757,7 +1757,7 @@
           <a:p>
             <a:fld id="{19274467-91A6-4BBE-9E77-4CCEB30A9719}" type="slidenum">
               <a:rPr lang="es-CO" smtClean="0"/>
-              <a:t>‹#›</a:t>
+              <a:t>‹Nº›</a:t>
             </a:fld>
             <a:endParaRPr lang="es-CO"/>
           </a:p>
@@ -1991,7 +1991,7 @@
           <a:p>
             <a:fld id="{1746D715-F302-4AEE-84BA-8B184C0E583B}" type="datetimeFigureOut">
               <a:rPr lang="es-CO" smtClean="0"/>
-              <a:t>24/07/20</a:t>
+              <a:t>25/01/21</a:t>
             </a:fld>
             <a:endParaRPr lang="es-CO"/>
           </a:p>
@@ -2033,7 +2033,7 @@
           <a:p>
             <a:fld id="{19274467-91A6-4BBE-9E77-4CCEB30A9719}" type="slidenum">
               <a:rPr lang="es-CO" smtClean="0"/>
-              <a:t>‹#›</a:t>
+              <a:t>‹Nº›</a:t>
             </a:fld>
             <a:endParaRPr lang="es-CO"/>
           </a:p>
@@ -2371,7 +2371,7 @@
           <a:p>
             <a:fld id="{1746D715-F302-4AEE-84BA-8B184C0E583B}" type="datetimeFigureOut">
               <a:rPr lang="es-CO" smtClean="0"/>
-              <a:t>24/07/20</a:t>
+              <a:t>25/01/21</a:t>
             </a:fld>
             <a:endParaRPr lang="es-CO"/>
           </a:p>
@@ -2413,7 +2413,7 @@
           <a:p>
             <a:fld id="{19274467-91A6-4BBE-9E77-4CCEB30A9719}" type="slidenum">
               <a:rPr lang="es-CO" smtClean="0"/>
-              <a:t>‹#›</a:t>
+              <a:t>‹Nº›</a:t>
             </a:fld>
             <a:endParaRPr lang="es-CO"/>
           </a:p>
@@ -2490,7 +2490,7 @@
           <a:p>
             <a:fld id="{1746D715-F302-4AEE-84BA-8B184C0E583B}" type="datetimeFigureOut">
               <a:rPr lang="es-CO" smtClean="0"/>
-              <a:t>24/07/20</a:t>
+              <a:t>25/01/21</a:t>
             </a:fld>
             <a:endParaRPr lang="es-CO"/>
           </a:p>
@@ -2532,7 +2532,7 @@
           <a:p>
             <a:fld id="{19274467-91A6-4BBE-9E77-4CCEB30A9719}" type="slidenum">
               <a:rPr lang="es-CO" smtClean="0"/>
-              <a:t>‹#›</a:t>
+              <a:t>‹Nº›</a:t>
             </a:fld>
             <a:endParaRPr lang="es-CO"/>
           </a:p>
@@ -2662,7 +2662,7 @@
           <a:p>
             <a:fld id="{1746D715-F302-4AEE-84BA-8B184C0E583B}" type="datetimeFigureOut">
               <a:rPr lang="es-CO" smtClean="0"/>
-              <a:t>24/07/20</a:t>
+              <a:t>25/01/21</a:t>
             </a:fld>
             <a:endParaRPr lang="es-CO"/>
           </a:p>
@@ -2712,7 +2712,7 @@
           <a:p>
             <a:fld id="{19274467-91A6-4BBE-9E77-4CCEB30A9719}" type="slidenum">
               <a:rPr lang="es-CO" smtClean="0"/>
-              <a:t>‹#›</a:t>
+              <a:t>‹Nº›</a:t>
             </a:fld>
             <a:endParaRPr lang="es-CO"/>
           </a:p>
@@ -3017,7 +3017,7 @@
           <a:p>
             <a:fld id="{1746D715-F302-4AEE-84BA-8B184C0E583B}" type="datetimeFigureOut">
               <a:rPr lang="es-CO" smtClean="0"/>
-              <a:t>24/07/20</a:t>
+              <a:t>25/01/21</a:t>
             </a:fld>
             <a:endParaRPr lang="es-CO"/>
           </a:p>
@@ -3080,7 +3080,7 @@
           <a:p>
             <a:fld id="{19274467-91A6-4BBE-9E77-4CCEB30A9719}" type="slidenum">
               <a:rPr lang="es-CO" smtClean="0"/>
-              <a:t>‹#›</a:t>
+              <a:t>‹Nº›</a:t>
             </a:fld>
             <a:endParaRPr lang="es-CO"/>
           </a:p>
@@ -3400,7 +3400,7 @@
           <a:p>
             <a:fld id="{1746D715-F302-4AEE-84BA-8B184C0E583B}" type="datetimeFigureOut">
               <a:rPr lang="es-CO" smtClean="0"/>
-              <a:t>24/07/20</a:t>
+              <a:t>25/01/21</a:t>
             </a:fld>
             <a:endParaRPr lang="es-CO"/>
           </a:p>
@@ -3442,7 +3442,7 @@
           <a:p>
             <a:fld id="{19274467-91A6-4BBE-9E77-4CCEB30A9719}" type="slidenum">
               <a:rPr lang="es-CO" smtClean="0"/>
-              <a:t>‹#›</a:t>
+              <a:t>‹Nº›</a:t>
             </a:fld>
             <a:endParaRPr lang="es-CO"/>
           </a:p>
@@ -3688,7 +3688,7 @@
           <a:p>
             <a:fld id="{1746D715-F302-4AEE-84BA-8B184C0E583B}" type="datetimeFigureOut">
               <a:rPr lang="es-CO" smtClean="0"/>
-              <a:t>24/07/20</a:t>
+              <a:t>25/01/21</a:t>
             </a:fld>
             <a:endParaRPr lang="es-CO"/>
           </a:p>
@@ -3762,7 +3762,7 @@
           <a:p>
             <a:fld id="{19274467-91A6-4BBE-9E77-4CCEB30A9719}" type="slidenum">
               <a:rPr lang="es-CO" smtClean="0"/>
-              <a:t>‹#›</a:t>
+              <a:t>‹Nº›</a:t>
             </a:fld>
             <a:endParaRPr lang="es-CO"/>
           </a:p>
@@ -11562,16 +11562,18 @@
           <a:p>
             <a:pPr algn="ctr"/>
             <a:r>
+              <a:rPr lang="en-US" dirty="0" err="1"/>
+              <a:t>Máquina</a:t>
+            </a:r>
+            <a:r>
               <a:rPr lang="en-US" dirty="0"/>
-              <a:t>Remotes</a:t>
-            </a:r>
-          </a:p>
-          <a:p>
-            <a:pPr algn="ctr"/>
-            <a:r>
-              <a:rPr lang="en-US" dirty="0"/>
-              <a:t>Reset</a:t>
-            </a:r>
+              <a:t> del </a:t>
+            </a:r>
+            <a:r>
+              <a:rPr lang="en-US" dirty="0" err="1"/>
+              <a:t>tiempo</a:t>
+            </a:r>
+            <a:endParaRPr lang="en-US" dirty="0"/>
           </a:p>
         </p:txBody>
       </p:sp>
@@ -11633,12 +11635,8 @@
           <a:p>
             <a:pPr algn="ctr"/>
             <a:r>
-              <a:rPr lang="en-US" dirty="0" err="1"/>
-              <a:t>Gitflow</a:t>
-            </a:r>
-            <a:r>
               <a:rPr lang="en-US" dirty="0"/>
-              <a:t> Workflow</a:t>
+              <a:t>GitHub</a:t>
             </a:r>
           </a:p>
           <a:p>
@@ -11650,26 +11648,6 @@
           </a:p>
           <a:p>
             <a:pPr algn="ctr"/>
-            <a:r>
-              <a:rPr lang="en-US" dirty="0" err="1"/>
-              <a:t>Trabajo</a:t>
-            </a:r>
-            <a:r>
-              <a:rPr lang="en-US" dirty="0"/>
-              <a:t> </a:t>
-            </a:r>
-            <a:r>
-              <a:rPr lang="en-US" dirty="0" err="1"/>
-              <a:t>en</a:t>
-            </a:r>
-            <a:r>
-              <a:rPr lang="en-US" dirty="0"/>
-              <a:t> </a:t>
-            </a:r>
-            <a:r>
-              <a:rPr lang="en-US" dirty="0" err="1"/>
-              <a:t>equipo</a:t>
-            </a:r>
             <a:endParaRPr lang="en-US" dirty="0"/>
           </a:p>
         </p:txBody>
@@ -11732,32 +11710,21 @@
           <a:p>
             <a:pPr algn="ctr"/>
             <a:r>
+              <a:rPr lang="en-US" dirty="0" err="1"/>
+              <a:t>Gitflow</a:t>
+            </a:r>
+            <a:r>
+              <a:rPr lang="en-US"/>
+              <a:t> Workflow</a:t>
+            </a:r>
+            <a:endParaRPr lang="en-US" dirty="0"/>
+          </a:p>
+          <a:p>
+            <a:pPr algn="ctr"/>
+            <a:r>
               <a:rPr lang="en-US" dirty="0"/>
               <a:t>Forking Workflow</a:t>
             </a:r>
-          </a:p>
-          <a:p>
-            <a:pPr algn="ctr"/>
-            <a:r>
-              <a:rPr lang="en-US" dirty="0"/>
-              <a:t>Forks</a:t>
-            </a:r>
-          </a:p>
-          <a:p>
-            <a:pPr algn="ctr"/>
-            <a:r>
-              <a:rPr lang="en-US" dirty="0" err="1"/>
-              <a:t>Trabajo</a:t>
-            </a:r>
-            <a:r>
-              <a:rPr lang="en-US" dirty="0"/>
-              <a:t> </a:t>
-            </a:r>
-            <a:r>
-              <a:rPr lang="en-US" dirty="0" err="1"/>
-              <a:t>colaborativo</a:t>
-            </a:r>
-            <a:endParaRPr lang="en-US" dirty="0"/>
           </a:p>
         </p:txBody>
       </p:sp>
